--- a/benchmark_results/playground_mAb_DMS/1MLC_point_mutation.pptx
+++ b/benchmark_results/playground_mAb_DMS/1MLC_point_mutation.pptx
@@ -266,7 +266,7 @@
           <a:p>
             <a:fld id="{D8C04582-530A-478C-8EEE-7123BBD5D064}" type="datetimeFigureOut">
               <a:rPr lang="en-GB" smtClean="0"/>
-              <a:t>17/07/2025</a:t>
+              <a:t>18/07/2025</a:t>
             </a:fld>
             <a:endParaRPr lang="en-GB"/>
           </a:p>
@@ -466,7 +466,7 @@
           <a:p>
             <a:fld id="{D8C04582-530A-478C-8EEE-7123BBD5D064}" type="datetimeFigureOut">
               <a:rPr lang="en-GB" smtClean="0"/>
-              <a:t>17/07/2025</a:t>
+              <a:t>18/07/2025</a:t>
             </a:fld>
             <a:endParaRPr lang="en-GB"/>
           </a:p>
@@ -676,7 +676,7 @@
           <a:p>
             <a:fld id="{D8C04582-530A-478C-8EEE-7123BBD5D064}" type="datetimeFigureOut">
               <a:rPr lang="en-GB" smtClean="0"/>
-              <a:t>17/07/2025</a:t>
+              <a:t>18/07/2025</a:t>
             </a:fld>
             <a:endParaRPr lang="en-GB"/>
           </a:p>
@@ -876,7 +876,7 @@
           <a:p>
             <a:fld id="{D8C04582-530A-478C-8EEE-7123BBD5D064}" type="datetimeFigureOut">
               <a:rPr lang="en-GB" smtClean="0"/>
-              <a:t>17/07/2025</a:t>
+              <a:t>18/07/2025</a:t>
             </a:fld>
             <a:endParaRPr lang="en-GB"/>
           </a:p>
@@ -1152,7 +1152,7 @@
           <a:p>
             <a:fld id="{D8C04582-530A-478C-8EEE-7123BBD5D064}" type="datetimeFigureOut">
               <a:rPr lang="en-GB" smtClean="0"/>
-              <a:t>17/07/2025</a:t>
+              <a:t>18/07/2025</a:t>
             </a:fld>
             <a:endParaRPr lang="en-GB"/>
           </a:p>
@@ -1420,7 +1420,7 @@
           <a:p>
             <a:fld id="{D8C04582-530A-478C-8EEE-7123BBD5D064}" type="datetimeFigureOut">
               <a:rPr lang="en-GB" smtClean="0"/>
-              <a:t>17/07/2025</a:t>
+              <a:t>18/07/2025</a:t>
             </a:fld>
             <a:endParaRPr lang="en-GB"/>
           </a:p>
@@ -1835,7 +1835,7 @@
           <a:p>
             <a:fld id="{D8C04582-530A-478C-8EEE-7123BBD5D064}" type="datetimeFigureOut">
               <a:rPr lang="en-GB" smtClean="0"/>
-              <a:t>17/07/2025</a:t>
+              <a:t>18/07/2025</a:t>
             </a:fld>
             <a:endParaRPr lang="en-GB"/>
           </a:p>
@@ -1977,7 +1977,7 @@
           <a:p>
             <a:fld id="{D8C04582-530A-478C-8EEE-7123BBD5D064}" type="datetimeFigureOut">
               <a:rPr lang="en-GB" smtClean="0"/>
-              <a:t>17/07/2025</a:t>
+              <a:t>18/07/2025</a:t>
             </a:fld>
             <a:endParaRPr lang="en-GB"/>
           </a:p>
@@ -2090,7 +2090,7 @@
           <a:p>
             <a:fld id="{D8C04582-530A-478C-8EEE-7123BBD5D064}" type="datetimeFigureOut">
               <a:rPr lang="en-GB" smtClean="0"/>
-              <a:t>17/07/2025</a:t>
+              <a:t>18/07/2025</a:t>
             </a:fld>
             <a:endParaRPr lang="en-GB"/>
           </a:p>
@@ -2403,7 +2403,7 @@
           <a:p>
             <a:fld id="{D8C04582-530A-478C-8EEE-7123BBD5D064}" type="datetimeFigureOut">
               <a:rPr lang="en-GB" smtClean="0"/>
-              <a:t>17/07/2025</a:t>
+              <a:t>18/07/2025</a:t>
             </a:fld>
             <a:endParaRPr lang="en-GB"/>
           </a:p>
@@ -2692,7 +2692,7 @@
           <a:p>
             <a:fld id="{D8C04582-530A-478C-8EEE-7123BBD5D064}" type="datetimeFigureOut">
               <a:rPr lang="en-GB" smtClean="0"/>
-              <a:t>17/07/2025</a:t>
+              <a:t>18/07/2025</a:t>
             </a:fld>
             <a:endParaRPr lang="en-GB"/>
           </a:p>
@@ -2935,7 +2935,7 @@
           <a:p>
             <a:fld id="{D8C04582-530A-478C-8EEE-7123BBD5D064}" type="datetimeFigureOut">
               <a:rPr lang="en-GB" smtClean="0"/>
-              <a:t>17/07/2025</a:t>
+              <a:t>18/07/2025</a:t>
             </a:fld>
             <a:endParaRPr lang="en-GB"/>
           </a:p>
@@ -3508,7 +3508,7 @@
         <p:spPr>
           <a:xfrm>
             <a:off x="205432" y="330200"/>
-            <a:ext cx="2984151" cy="6186309"/>
+            <a:ext cx="2984151" cy="6463308"/>
           </a:xfrm>
           <a:prstGeom prst="rect">
             <a:avLst/>
@@ -3554,7 +3554,7 @@
           <a:p>
             <a:r>
               <a:rPr lang="en-US"/>
-              <a:t>Structure from Abodybuilder2 or pdb (1MLC, antibody-antigen complex -&gt; remove antigen), before and after pyrosetta relax (recycle=5, Cartesian relax on side chain only), doesn’t show much difference in correlation.</a:t>
+              <a:t>Structure from Abodybuilder2 or pdb (1MLC, antibody-antigen complex -&gt; remove antigen), before and after pyrosetta relax (recycle=5, Cartesian relax on side chain and backbone), doesn’t show much difference in correlation.</a:t>
             </a:r>
             <a:endParaRPr lang="en-GB"/>
           </a:p>
@@ -5135,8 +5135,8 @@
         </p:nvSpPr>
         <p:spPr>
           <a:xfrm>
-            <a:off x="6281737" y="616686"/>
-            <a:ext cx="4929584" cy="1477328"/>
+            <a:off x="6281736" y="616686"/>
+            <a:ext cx="5664457" cy="1477328"/>
           </a:xfrm>
           <a:prstGeom prst="rect">
             <a:avLst/>
@@ -5160,7 +5160,7 @@
             </a:pPr>
             <a:r>
               <a:rPr lang="en-GB"/>
-              <a:t>34 Fv positions show enhanced binding upon mutation (Red).</a:t>
+              <a:t>Experimental results: 34 Fv positions show enhanced binding upon mutation (Red).</a:t>
             </a:r>
           </a:p>
           <a:p>
@@ -5169,7 +5169,7 @@
             </a:pPr>
             <a:r>
               <a:rPr lang="en-GB"/>
-              <a:t>Only a few mutations are predicted to be beneficial according to different models.</a:t>
+              <a:t>Model prediction: Only a few mutations are predicted to be beneficial according to different models.</a:t>
             </a:r>
           </a:p>
         </p:txBody>
@@ -6709,10 +6709,10 @@
       </p:grpSp>
       <p:sp>
         <p:nvSpPr>
-          <p:cNvPr id="64" name="TextBox 63">
-            <a:extLst>
-              <a:ext uri="{FF2B5EF4-FFF2-40B4-BE49-F238E27FC236}">
-                <a16:creationId xmlns:a16="http://schemas.microsoft.com/office/drawing/2014/main" id="{A9CF4B65-2D91-0EDB-B970-1B5F1A41D09F}"/>
+          <p:cNvPr id="2" name="TextBox 1">
+            <a:extLst>
+              <a:ext uri="{FF2B5EF4-FFF2-40B4-BE49-F238E27FC236}">
+                <a16:creationId xmlns:a16="http://schemas.microsoft.com/office/drawing/2014/main" id="{90A61115-CB1D-CD92-B22F-C80E7DCCED5F}"/>
               </a:ext>
             </a:extLst>
           </p:cNvPr>
@@ -6721,8 +6721,8 @@
         </p:nvSpPr>
         <p:spPr>
           <a:xfrm>
-            <a:off x="6281737" y="616686"/>
-            <a:ext cx="4929584" cy="1477328"/>
+            <a:off x="0" y="-36191"/>
+            <a:ext cx="2984151" cy="369332"/>
           </a:xfrm>
           <a:prstGeom prst="rect">
             <a:avLst/>
@@ -6736,8 +6736,78 @@
           <a:lstStyle/>
           <a:p>
             <a:r>
+              <a:rPr lang="en-GB"/>
+              <a:t>(A)</a:t>
+            </a:r>
+          </a:p>
+        </p:txBody>
+      </p:sp>
+      <p:sp>
+        <p:nvSpPr>
+          <p:cNvPr id="3" name="TextBox 2">
+            <a:extLst>
+              <a:ext uri="{FF2B5EF4-FFF2-40B4-BE49-F238E27FC236}">
+                <a16:creationId xmlns:a16="http://schemas.microsoft.com/office/drawing/2014/main" id="{105BA667-88EA-B1AF-4C11-182BA00268E9}"/>
+              </a:ext>
+            </a:extLst>
+          </p:cNvPr>
+          <p:cNvSpPr txBox="1"/>
+          <p:nvPr/>
+        </p:nvSpPr>
+        <p:spPr>
+          <a:xfrm>
+            <a:off x="-1" y="2076652"/>
+            <a:ext cx="2984151" cy="369332"/>
+          </a:xfrm>
+          <a:prstGeom prst="rect">
+            <a:avLst/>
+          </a:prstGeom>
+          <a:noFill/>
+        </p:spPr>
+        <p:txBody>
+          <a:bodyPr wrap="square" rtlCol="0">
+            <a:spAutoFit/>
+          </a:bodyPr>
+          <a:lstStyle/>
+          <a:p>
+            <a:r>
+              <a:rPr lang="en-GB"/>
+              <a:t>(B)</a:t>
+            </a:r>
+          </a:p>
+        </p:txBody>
+      </p:sp>
+      <p:sp>
+        <p:nvSpPr>
+          <p:cNvPr id="4" name="TextBox 3">
+            <a:extLst>
+              <a:ext uri="{FF2B5EF4-FFF2-40B4-BE49-F238E27FC236}">
+                <a16:creationId xmlns:a16="http://schemas.microsoft.com/office/drawing/2014/main" id="{08A8091F-23AF-CFC7-8EBC-099C2D6C7D22}"/>
+              </a:ext>
+            </a:extLst>
+          </p:cNvPr>
+          <p:cNvSpPr txBox="1"/>
+          <p:nvPr/>
+        </p:nvSpPr>
+        <p:spPr>
+          <a:xfrm>
+            <a:off x="6281736" y="616686"/>
+            <a:ext cx="5664457" cy="1477328"/>
+          </a:xfrm>
+          <a:prstGeom prst="rect">
+            <a:avLst/>
+          </a:prstGeom>
+          <a:noFill/>
+        </p:spPr>
+        <p:txBody>
+          <a:bodyPr wrap="square" rtlCol="0">
+            <a:spAutoFit/>
+          </a:bodyPr>
+          <a:lstStyle/>
+          <a:p>
+            <a:r>
               <a:rPr lang="en-GB" b="1"/>
-              <a:t>Abodybuilder2, after_relax</a:t>
+              <a:t>Abodybuilder2, after relax</a:t>
             </a:r>
           </a:p>
           <a:p>
@@ -6746,7 +6816,7 @@
             </a:pPr>
             <a:r>
               <a:rPr lang="en-GB"/>
-              <a:t>34 Fv positions show enhanced binding upon mutation (Red).</a:t>
+              <a:t>Experimental results: 34 Fv positions show enhanced binding upon mutation (Red).</a:t>
             </a:r>
           </a:p>
           <a:p>
@@ -6755,7 +6825,7 @@
             </a:pPr>
             <a:r>
               <a:rPr lang="en-GB"/>
-              <a:t>Only a few mutations are predicted to be beneficial according to different models.</a:t>
+              <a:t>Model prediction: Only a few mutations are predicted to be beneficial according to different models.</a:t>
             </a:r>
           </a:p>
         </p:txBody>
@@ -8253,10 +8323,10 @@
       </p:grpSp>
       <p:sp>
         <p:nvSpPr>
-          <p:cNvPr id="45" name="TextBox 44">
-            <a:extLst>
-              <a:ext uri="{FF2B5EF4-FFF2-40B4-BE49-F238E27FC236}">
-                <a16:creationId xmlns:a16="http://schemas.microsoft.com/office/drawing/2014/main" id="{831430F0-D799-26EE-CF4C-15C34CE01C6C}"/>
+          <p:cNvPr id="2" name="TextBox 1">
+            <a:extLst>
+              <a:ext uri="{FF2B5EF4-FFF2-40B4-BE49-F238E27FC236}">
+                <a16:creationId xmlns:a16="http://schemas.microsoft.com/office/drawing/2014/main" id="{D1769776-E3DC-F1C5-D3E6-F6337EC1E5F5}"/>
               </a:ext>
             </a:extLst>
           </p:cNvPr>
@@ -8265,8 +8335,8 @@
         </p:nvSpPr>
         <p:spPr>
           <a:xfrm>
-            <a:off x="6281737" y="616686"/>
-            <a:ext cx="5557838" cy="1477328"/>
+            <a:off x="0" y="-36191"/>
+            <a:ext cx="2984151" cy="369332"/>
           </a:xfrm>
           <a:prstGeom prst="rect">
             <a:avLst/>
@@ -8280,8 +8350,78 @@
           <a:lstStyle/>
           <a:p>
             <a:r>
+              <a:rPr lang="en-GB"/>
+              <a:t>(A)</a:t>
+            </a:r>
+          </a:p>
+        </p:txBody>
+      </p:sp>
+      <p:sp>
+        <p:nvSpPr>
+          <p:cNvPr id="3" name="TextBox 2">
+            <a:extLst>
+              <a:ext uri="{FF2B5EF4-FFF2-40B4-BE49-F238E27FC236}">
+                <a16:creationId xmlns:a16="http://schemas.microsoft.com/office/drawing/2014/main" id="{F0CA02C1-4EFE-82B2-1A03-49AE2B039F97}"/>
+              </a:ext>
+            </a:extLst>
+          </p:cNvPr>
+          <p:cNvSpPr txBox="1"/>
+          <p:nvPr/>
+        </p:nvSpPr>
+        <p:spPr>
+          <a:xfrm>
+            <a:off x="-1" y="2076652"/>
+            <a:ext cx="2984151" cy="369332"/>
+          </a:xfrm>
+          <a:prstGeom prst="rect">
+            <a:avLst/>
+          </a:prstGeom>
+          <a:noFill/>
+        </p:spPr>
+        <p:txBody>
+          <a:bodyPr wrap="square" rtlCol="0">
+            <a:spAutoFit/>
+          </a:bodyPr>
+          <a:lstStyle/>
+          <a:p>
+            <a:r>
+              <a:rPr lang="en-GB"/>
+              <a:t>(B)</a:t>
+            </a:r>
+          </a:p>
+        </p:txBody>
+      </p:sp>
+      <p:sp>
+        <p:nvSpPr>
+          <p:cNvPr id="4" name="TextBox 3">
+            <a:extLst>
+              <a:ext uri="{FF2B5EF4-FFF2-40B4-BE49-F238E27FC236}">
+                <a16:creationId xmlns:a16="http://schemas.microsoft.com/office/drawing/2014/main" id="{B0470B51-F9BB-950F-2D6E-0E27D69D16F3}"/>
+              </a:ext>
+            </a:extLst>
+          </p:cNvPr>
+          <p:cNvSpPr txBox="1"/>
+          <p:nvPr/>
+        </p:nvSpPr>
+        <p:spPr>
+          <a:xfrm>
+            <a:off x="6242407" y="336670"/>
+            <a:ext cx="5664457" cy="1754326"/>
+          </a:xfrm>
+          <a:prstGeom prst="rect">
+            <a:avLst/>
+          </a:prstGeom>
+          <a:noFill/>
+        </p:spPr>
+        <p:txBody>
+          <a:bodyPr wrap="square" rtlCol="0">
+            <a:spAutoFit/>
+          </a:bodyPr>
+          <a:lstStyle/>
+          <a:p>
+            <a:r>
               <a:rPr lang="en-GB" b="1"/>
-              <a:t>Pdb structure, remove bound antigen, before_relax</a:t>
+              <a:t>pdb, remove antigen from antibody-antigen complex, before relax</a:t>
             </a:r>
           </a:p>
           <a:p>
@@ -8290,7 +8430,7 @@
             </a:pPr>
             <a:r>
               <a:rPr lang="en-GB"/>
-              <a:t>34 Fv positions show enhanced binding upon mutation (Red).</a:t>
+              <a:t>Experimental results: 34 Fv positions show enhanced binding upon mutation (Red).</a:t>
             </a:r>
           </a:p>
           <a:p>
@@ -8299,7 +8439,7 @@
             </a:pPr>
             <a:r>
               <a:rPr lang="en-GB"/>
-              <a:t>Only a few mutations are predicted to be beneficial according to different models.</a:t>
+              <a:t>Model prediction: Only a few mutations are predicted to be beneficial according to different models.</a:t>
             </a:r>
           </a:p>
         </p:txBody>
@@ -9797,10 +9937,10 @@
       </p:grpSp>
       <p:sp>
         <p:nvSpPr>
-          <p:cNvPr id="46" name="TextBox 45">
-            <a:extLst>
-              <a:ext uri="{FF2B5EF4-FFF2-40B4-BE49-F238E27FC236}">
-                <a16:creationId xmlns:a16="http://schemas.microsoft.com/office/drawing/2014/main" id="{70C35219-9CDE-1BA9-A53E-B0ACC0235A5A}"/>
+          <p:cNvPr id="2" name="TextBox 1">
+            <a:extLst>
+              <a:ext uri="{FF2B5EF4-FFF2-40B4-BE49-F238E27FC236}">
+                <a16:creationId xmlns:a16="http://schemas.microsoft.com/office/drawing/2014/main" id="{BE385F76-2A14-8C75-0154-6C7DAC34E7B8}"/>
               </a:ext>
             </a:extLst>
           </p:cNvPr>
@@ -9809,8 +9949,8 @@
         </p:nvSpPr>
         <p:spPr>
           <a:xfrm>
-            <a:off x="6281737" y="616686"/>
-            <a:ext cx="5557838" cy="1477328"/>
+            <a:off x="0" y="-36191"/>
+            <a:ext cx="2984151" cy="369332"/>
           </a:xfrm>
           <a:prstGeom prst="rect">
             <a:avLst/>
@@ -9824,8 +9964,78 @@
           <a:lstStyle/>
           <a:p>
             <a:r>
+              <a:rPr lang="en-GB"/>
+              <a:t>(A)</a:t>
+            </a:r>
+          </a:p>
+        </p:txBody>
+      </p:sp>
+      <p:sp>
+        <p:nvSpPr>
+          <p:cNvPr id="3" name="TextBox 2">
+            <a:extLst>
+              <a:ext uri="{FF2B5EF4-FFF2-40B4-BE49-F238E27FC236}">
+                <a16:creationId xmlns:a16="http://schemas.microsoft.com/office/drawing/2014/main" id="{8017A075-1199-2B67-BE2F-1A97F2B2C5EC}"/>
+              </a:ext>
+            </a:extLst>
+          </p:cNvPr>
+          <p:cNvSpPr txBox="1"/>
+          <p:nvPr/>
+        </p:nvSpPr>
+        <p:spPr>
+          <a:xfrm>
+            <a:off x="-1" y="2076652"/>
+            <a:ext cx="2984151" cy="369332"/>
+          </a:xfrm>
+          <a:prstGeom prst="rect">
+            <a:avLst/>
+          </a:prstGeom>
+          <a:noFill/>
+        </p:spPr>
+        <p:txBody>
+          <a:bodyPr wrap="square" rtlCol="0">
+            <a:spAutoFit/>
+          </a:bodyPr>
+          <a:lstStyle/>
+          <a:p>
+            <a:r>
+              <a:rPr lang="en-GB"/>
+              <a:t>(B)</a:t>
+            </a:r>
+          </a:p>
+        </p:txBody>
+      </p:sp>
+      <p:sp>
+        <p:nvSpPr>
+          <p:cNvPr id="5" name="TextBox 4">
+            <a:extLst>
+              <a:ext uri="{FF2B5EF4-FFF2-40B4-BE49-F238E27FC236}">
+                <a16:creationId xmlns:a16="http://schemas.microsoft.com/office/drawing/2014/main" id="{9A936BD4-FD46-B911-D75E-DB2C5D493A0B}"/>
+              </a:ext>
+            </a:extLst>
+          </p:cNvPr>
+          <p:cNvSpPr txBox="1"/>
+          <p:nvPr/>
+        </p:nvSpPr>
+        <p:spPr>
+          <a:xfrm>
+            <a:off x="6242407" y="336670"/>
+            <a:ext cx="5664457" cy="1754326"/>
+          </a:xfrm>
+          <a:prstGeom prst="rect">
+            <a:avLst/>
+          </a:prstGeom>
+          <a:noFill/>
+        </p:spPr>
+        <p:txBody>
+          <a:bodyPr wrap="square" rtlCol="0">
+            <a:spAutoFit/>
+          </a:bodyPr>
+          <a:lstStyle/>
+          <a:p>
+            <a:r>
               <a:rPr lang="en-GB" b="1"/>
-              <a:t>Pdb structure, remove bound antigen, after_relax</a:t>
+              <a:t>pdb, remove antigen from antibody-antigen complex, after relax</a:t>
             </a:r>
           </a:p>
           <a:p>
@@ -9834,7 +10044,7 @@
             </a:pPr>
             <a:r>
               <a:rPr lang="en-GB"/>
-              <a:t>34 Fv positions show enhanced binding upon mutation (Red).</a:t>
+              <a:t>Experimental results: 34 Fv positions show enhanced binding upon mutation (Red).</a:t>
             </a:r>
           </a:p>
           <a:p>
@@ -9843,7 +10053,7 @@
             </a:pPr>
             <a:r>
               <a:rPr lang="en-GB"/>
-              <a:t>Only a few mutations are predicted to be beneficial according to different models.</a:t>
+              <a:t>Model prediction: Only a few mutations are predicted to be beneficial according to different models.</a:t>
             </a:r>
           </a:p>
         </p:txBody>

--- a/benchmark_results/playground_mAb_DMS/1MLC_point_mutation.pptx
+++ b/benchmark_results/playground_mAb_DMS/1MLC_point_mutation.pptx
@@ -11,6 +11,10 @@
     <p:sldId id="261" r:id="rId5"/>
     <p:sldId id="260" r:id="rId6"/>
     <p:sldId id="262" r:id="rId7"/>
+    <p:sldId id="263" r:id="rId8"/>
+    <p:sldId id="264" r:id="rId9"/>
+    <p:sldId id="265" r:id="rId10"/>
+    <p:sldId id="266" r:id="rId11"/>
   </p:sldIdLst>
   <p:sldSz cx="12192000" cy="6858000"/>
   <p:notesSz cx="6858000" cy="9144000"/>
@@ -266,7 +270,7 @@
           <a:p>
             <a:fld id="{D8C04582-530A-478C-8EEE-7123BBD5D064}" type="datetimeFigureOut">
               <a:rPr lang="en-GB" smtClean="0"/>
-              <a:t>18/07/2025</a:t>
+              <a:t>20/07/2025</a:t>
             </a:fld>
             <a:endParaRPr lang="en-GB"/>
           </a:p>
@@ -466,7 +470,7 @@
           <a:p>
             <a:fld id="{D8C04582-530A-478C-8EEE-7123BBD5D064}" type="datetimeFigureOut">
               <a:rPr lang="en-GB" smtClean="0"/>
-              <a:t>18/07/2025</a:t>
+              <a:t>20/07/2025</a:t>
             </a:fld>
             <a:endParaRPr lang="en-GB"/>
           </a:p>
@@ -676,7 +680,7 @@
           <a:p>
             <a:fld id="{D8C04582-530A-478C-8EEE-7123BBD5D064}" type="datetimeFigureOut">
               <a:rPr lang="en-GB" smtClean="0"/>
-              <a:t>18/07/2025</a:t>
+              <a:t>20/07/2025</a:t>
             </a:fld>
             <a:endParaRPr lang="en-GB"/>
           </a:p>
@@ -876,7 +880,7 @@
           <a:p>
             <a:fld id="{D8C04582-530A-478C-8EEE-7123BBD5D064}" type="datetimeFigureOut">
               <a:rPr lang="en-GB" smtClean="0"/>
-              <a:t>18/07/2025</a:t>
+              <a:t>20/07/2025</a:t>
             </a:fld>
             <a:endParaRPr lang="en-GB"/>
           </a:p>
@@ -1152,7 +1156,7 @@
           <a:p>
             <a:fld id="{D8C04582-530A-478C-8EEE-7123BBD5D064}" type="datetimeFigureOut">
               <a:rPr lang="en-GB" smtClean="0"/>
-              <a:t>18/07/2025</a:t>
+              <a:t>20/07/2025</a:t>
             </a:fld>
             <a:endParaRPr lang="en-GB"/>
           </a:p>
@@ -1420,7 +1424,7 @@
           <a:p>
             <a:fld id="{D8C04582-530A-478C-8EEE-7123BBD5D064}" type="datetimeFigureOut">
               <a:rPr lang="en-GB" smtClean="0"/>
-              <a:t>18/07/2025</a:t>
+              <a:t>20/07/2025</a:t>
             </a:fld>
             <a:endParaRPr lang="en-GB"/>
           </a:p>
@@ -1835,7 +1839,7 @@
           <a:p>
             <a:fld id="{D8C04582-530A-478C-8EEE-7123BBD5D064}" type="datetimeFigureOut">
               <a:rPr lang="en-GB" smtClean="0"/>
-              <a:t>18/07/2025</a:t>
+              <a:t>20/07/2025</a:t>
             </a:fld>
             <a:endParaRPr lang="en-GB"/>
           </a:p>
@@ -1977,7 +1981,7 @@
           <a:p>
             <a:fld id="{D8C04582-530A-478C-8EEE-7123BBD5D064}" type="datetimeFigureOut">
               <a:rPr lang="en-GB" smtClean="0"/>
-              <a:t>18/07/2025</a:t>
+              <a:t>20/07/2025</a:t>
             </a:fld>
             <a:endParaRPr lang="en-GB"/>
           </a:p>
@@ -2090,7 +2094,7 @@
           <a:p>
             <a:fld id="{D8C04582-530A-478C-8EEE-7123BBD5D064}" type="datetimeFigureOut">
               <a:rPr lang="en-GB" smtClean="0"/>
-              <a:t>18/07/2025</a:t>
+              <a:t>20/07/2025</a:t>
             </a:fld>
             <a:endParaRPr lang="en-GB"/>
           </a:p>
@@ -2403,7 +2407,7 @@
           <a:p>
             <a:fld id="{D8C04582-530A-478C-8EEE-7123BBD5D064}" type="datetimeFigureOut">
               <a:rPr lang="en-GB" smtClean="0"/>
-              <a:t>18/07/2025</a:t>
+              <a:t>20/07/2025</a:t>
             </a:fld>
             <a:endParaRPr lang="en-GB"/>
           </a:p>
@@ -2692,7 +2696,7 @@
           <a:p>
             <a:fld id="{D8C04582-530A-478C-8EEE-7123BBD5D064}" type="datetimeFigureOut">
               <a:rPr lang="en-GB" smtClean="0"/>
-              <a:t>18/07/2025</a:t>
+              <a:t>20/07/2025</a:t>
             </a:fld>
             <a:endParaRPr lang="en-GB"/>
           </a:p>
@@ -2935,7 +2939,7 @@
           <a:p>
             <a:fld id="{D8C04582-530A-478C-8EEE-7123BBD5D064}" type="datetimeFigureOut">
               <a:rPr lang="en-GB" smtClean="0"/>
-              <a:t>18/07/2025</a:t>
+              <a:t>20/07/2025</a:t>
             </a:fld>
             <a:endParaRPr lang="en-GB"/>
           </a:p>
@@ -3508,7 +3512,7 @@
         <p:spPr>
           <a:xfrm>
             <a:off x="205432" y="330200"/>
-            <a:ext cx="2984151" cy="6463308"/>
+            <a:ext cx="2984151" cy="6186309"/>
           </a:xfrm>
           <a:prstGeom prst="rect">
             <a:avLst/>
@@ -3554,7 +3558,7 @@
           <a:p>
             <a:r>
               <a:rPr lang="en-US"/>
-              <a:t>Structure from Abodybuilder2 or pdb (1MLC, antibody-antigen complex -&gt; remove antigen), before and after pyrosetta relax (recycle=5, Cartesian relax on side chain and backbone), doesn’t show much difference in correlation.</a:t>
+              <a:t>Structure from Abodybuilder2 or pdb (1MLC, antibody-antigen complex -&gt; remove antigen), before and after pyrosetta relax (recycle=5, Cartesian relax on side chain only), doesn’t show much difference in correlation.</a:t>
             </a:r>
             <a:endParaRPr lang="en-GB"/>
           </a:p>
@@ -3564,6 +3568,207 @@
     <p:extLst>
       <p:ext uri="{BB962C8B-B14F-4D97-AF65-F5344CB8AC3E}">
         <p14:creationId xmlns:p14="http://schemas.microsoft.com/office/powerpoint/2010/main" val="3423407026"/>
+      </p:ext>
+    </p:extLst>
+  </p:cSld>
+  <p:clrMapOvr>
+    <a:masterClrMapping/>
+  </p:clrMapOvr>
+</p:sld>
+</file>
+
+<file path=ppt/slides/slide10.xml><?xml version="1.0" encoding="utf-8"?>
+<p:sld xmlns:a="http://schemas.openxmlformats.org/drawingml/2006/main" xmlns:r="http://schemas.openxmlformats.org/officeDocument/2006/relationships" xmlns:p="http://schemas.openxmlformats.org/presentationml/2006/main">
+  <p:cSld>
+    <p:spTree>
+      <p:nvGrpSpPr>
+        <p:cNvPr id="1" name=""/>
+        <p:cNvGrpSpPr/>
+        <p:nvPr/>
+      </p:nvGrpSpPr>
+      <p:grpSpPr>
+        <a:xfrm>
+          <a:off x="0" y="0"/>
+          <a:ext cx="0" cy="0"/>
+          <a:chOff x="0" y="0"/>
+          <a:chExt cx="0" cy="0"/>
+        </a:xfrm>
+      </p:grpSpPr>
+      <p:grpSp>
+        <p:nvGrpSpPr>
+          <p:cNvPr id="12" name="Group 11">
+            <a:extLst>
+              <a:ext uri="{FF2B5EF4-FFF2-40B4-BE49-F238E27FC236}">
+                <a16:creationId xmlns:a16="http://schemas.microsoft.com/office/drawing/2014/main" id="{B7AC6933-AEE6-151B-19FD-1F8F99383C7F}"/>
+              </a:ext>
+            </a:extLst>
+          </p:cNvPr>
+          <p:cNvGrpSpPr/>
+          <p:nvPr/>
+        </p:nvGrpSpPr>
+        <p:grpSpPr>
+          <a:xfrm>
+            <a:off x="188657" y="132571"/>
+            <a:ext cx="4667256" cy="6592857"/>
+            <a:chOff x="245807" y="265143"/>
+            <a:chExt cx="6410632" cy="9055510"/>
+          </a:xfrm>
+        </p:grpSpPr>
+        <p:pic>
+          <p:nvPicPr>
+            <p:cNvPr id="5" name="Picture 4">
+              <a:extLst>
+                <a:ext uri="{FF2B5EF4-FFF2-40B4-BE49-F238E27FC236}">
+                  <a16:creationId xmlns:a16="http://schemas.microsoft.com/office/drawing/2014/main" id="{BEBEC7EC-B9CB-064C-CC7E-7D5B094D2CC6}"/>
+                </a:ext>
+              </a:extLst>
+            </p:cNvPr>
+            <p:cNvPicPr>
+              <a:picLocks noChangeAspect="1"/>
+            </p:cNvPicPr>
+            <p:nvPr/>
+          </p:nvPicPr>
+          <p:blipFill>
+            <a:blip r:embed="rId2"/>
+            <a:stretch>
+              <a:fillRect/>
+            </a:stretch>
+          </p:blipFill>
+          <p:spPr>
+            <a:xfrm>
+              <a:off x="245807" y="2512169"/>
+              <a:ext cx="6410632" cy="2247026"/>
+            </a:xfrm>
+            <a:prstGeom prst="rect">
+              <a:avLst/>
+            </a:prstGeom>
+          </p:spPr>
+        </p:pic>
+        <p:pic>
+          <p:nvPicPr>
+            <p:cNvPr id="7" name="Picture 6">
+              <a:extLst>
+                <a:ext uri="{FF2B5EF4-FFF2-40B4-BE49-F238E27FC236}">
+                  <a16:creationId xmlns:a16="http://schemas.microsoft.com/office/drawing/2014/main" id="{361F0CBF-CB65-8277-80E3-952BA78008E0}"/>
+                </a:ext>
+              </a:extLst>
+            </p:cNvPr>
+            <p:cNvPicPr>
+              <a:picLocks noChangeAspect="1"/>
+            </p:cNvPicPr>
+            <p:nvPr/>
+          </p:nvPicPr>
+          <p:blipFill>
+            <a:blip r:embed="rId3"/>
+            <a:stretch>
+              <a:fillRect/>
+            </a:stretch>
+          </p:blipFill>
+          <p:spPr>
+            <a:xfrm>
+              <a:off x="245807" y="265143"/>
+              <a:ext cx="6410632" cy="2247026"/>
+            </a:xfrm>
+            <a:prstGeom prst="rect">
+              <a:avLst/>
+            </a:prstGeom>
+          </p:spPr>
+        </p:pic>
+        <p:pic>
+          <p:nvPicPr>
+            <p:cNvPr id="9" name="Picture 8">
+              <a:extLst>
+                <a:ext uri="{FF2B5EF4-FFF2-40B4-BE49-F238E27FC236}">
+                  <a16:creationId xmlns:a16="http://schemas.microsoft.com/office/drawing/2014/main" id="{6BF10B4D-FB54-2EFE-F02C-253F639D8A97}"/>
+                </a:ext>
+              </a:extLst>
+            </p:cNvPr>
+            <p:cNvPicPr>
+              <a:picLocks noChangeAspect="1"/>
+            </p:cNvPicPr>
+            <p:nvPr/>
+          </p:nvPicPr>
+          <p:blipFill>
+            <a:blip r:embed="rId4"/>
+            <a:stretch>
+              <a:fillRect/>
+            </a:stretch>
+          </p:blipFill>
+          <p:spPr>
+            <a:xfrm>
+              <a:off x="245807" y="7073627"/>
+              <a:ext cx="6410632" cy="2247026"/>
+            </a:xfrm>
+            <a:prstGeom prst="rect">
+              <a:avLst/>
+            </a:prstGeom>
+          </p:spPr>
+        </p:pic>
+        <p:pic>
+          <p:nvPicPr>
+            <p:cNvPr id="11" name="Picture 10">
+              <a:extLst>
+                <a:ext uri="{FF2B5EF4-FFF2-40B4-BE49-F238E27FC236}">
+                  <a16:creationId xmlns:a16="http://schemas.microsoft.com/office/drawing/2014/main" id="{1490F3C4-84F2-917B-4AA0-3F7F216DADFA}"/>
+                </a:ext>
+              </a:extLst>
+            </p:cNvPr>
+            <p:cNvPicPr>
+              <a:picLocks noChangeAspect="1"/>
+            </p:cNvPicPr>
+            <p:nvPr/>
+          </p:nvPicPr>
+          <p:blipFill>
+            <a:blip r:embed="rId5"/>
+            <a:stretch>
+              <a:fillRect/>
+            </a:stretch>
+          </p:blipFill>
+          <p:spPr>
+            <a:xfrm>
+              <a:off x="245807" y="4792898"/>
+              <a:ext cx="6410632" cy="2247026"/>
+            </a:xfrm>
+            <a:prstGeom prst="rect">
+              <a:avLst/>
+            </a:prstGeom>
+          </p:spPr>
+        </p:pic>
+      </p:grpSp>
+      <p:pic>
+        <p:nvPicPr>
+          <p:cNvPr id="14" name="Picture 13">
+            <a:extLst>
+              <a:ext uri="{FF2B5EF4-FFF2-40B4-BE49-F238E27FC236}">
+                <a16:creationId xmlns:a16="http://schemas.microsoft.com/office/drawing/2014/main" id="{6219F3CF-3C25-5AED-E29E-F53C5890E7E5}"/>
+              </a:ext>
+            </a:extLst>
+          </p:cNvPr>
+          <p:cNvPicPr>
+            <a:picLocks noChangeAspect="1"/>
+          </p:cNvPicPr>
+          <p:nvPr/>
+        </p:nvPicPr>
+        <p:blipFill>
+          <a:blip r:embed="rId6"/>
+          <a:stretch>
+            <a:fillRect/>
+          </a:stretch>
+        </p:blipFill>
+        <p:spPr>
+          <a:xfrm>
+            <a:off x="5243258" y="2370514"/>
+            <a:ext cx="6558396" cy="2290386"/>
+          </a:xfrm>
+          <a:prstGeom prst="rect">
+            <a:avLst/>
+          </a:prstGeom>
+        </p:spPr>
+      </p:pic>
+    </p:spTree>
+    <p:extLst>
+      <p:ext uri="{BB962C8B-B14F-4D97-AF65-F5344CB8AC3E}">
+        <p14:creationId xmlns:p14="http://schemas.microsoft.com/office/powerpoint/2010/main" val="107001802"/>
       </p:ext>
     </p:extLst>
   </p:cSld>
@@ -5135,8 +5340,8 @@
         </p:nvSpPr>
         <p:spPr>
           <a:xfrm>
-            <a:off x="6281736" y="616686"/>
-            <a:ext cx="5664457" cy="1477328"/>
+            <a:off x="6281737" y="616686"/>
+            <a:ext cx="4929584" cy="1477328"/>
           </a:xfrm>
           <a:prstGeom prst="rect">
             <a:avLst/>
@@ -5160,7 +5365,7 @@
             </a:pPr>
             <a:r>
               <a:rPr lang="en-GB"/>
-              <a:t>Experimental results: 34 Fv positions show enhanced binding upon mutation (Red).</a:t>
+              <a:t>34 Fv positions show enhanced binding upon mutation (Red).</a:t>
             </a:r>
           </a:p>
           <a:p>
@@ -5169,7 +5374,7 @@
             </a:pPr>
             <a:r>
               <a:rPr lang="en-GB"/>
-              <a:t>Model prediction: Only a few mutations are predicted to be beneficial according to different models.</a:t>
+              <a:t>Only a few mutations are predicted to be beneficial according to different models.</a:t>
             </a:r>
           </a:p>
         </p:txBody>
@@ -6709,10 +6914,10 @@
       </p:grpSp>
       <p:sp>
         <p:nvSpPr>
-          <p:cNvPr id="2" name="TextBox 1">
-            <a:extLst>
-              <a:ext uri="{FF2B5EF4-FFF2-40B4-BE49-F238E27FC236}">
-                <a16:creationId xmlns:a16="http://schemas.microsoft.com/office/drawing/2014/main" id="{90A61115-CB1D-CD92-B22F-C80E7DCCED5F}"/>
+          <p:cNvPr id="64" name="TextBox 63">
+            <a:extLst>
+              <a:ext uri="{FF2B5EF4-FFF2-40B4-BE49-F238E27FC236}">
+                <a16:creationId xmlns:a16="http://schemas.microsoft.com/office/drawing/2014/main" id="{A9CF4B65-2D91-0EDB-B970-1B5F1A41D09F}"/>
               </a:ext>
             </a:extLst>
           </p:cNvPr>
@@ -6721,8 +6926,8 @@
         </p:nvSpPr>
         <p:spPr>
           <a:xfrm>
-            <a:off x="0" y="-36191"/>
-            <a:ext cx="2984151" cy="369332"/>
+            <a:off x="6281737" y="616686"/>
+            <a:ext cx="4929584" cy="1477328"/>
           </a:xfrm>
           <a:prstGeom prst="rect">
             <a:avLst/>
@@ -6736,78 +6941,8 @@
           <a:lstStyle/>
           <a:p>
             <a:r>
-              <a:rPr lang="en-GB"/>
-              <a:t>(A)</a:t>
-            </a:r>
-          </a:p>
-        </p:txBody>
-      </p:sp>
-      <p:sp>
-        <p:nvSpPr>
-          <p:cNvPr id="3" name="TextBox 2">
-            <a:extLst>
-              <a:ext uri="{FF2B5EF4-FFF2-40B4-BE49-F238E27FC236}">
-                <a16:creationId xmlns:a16="http://schemas.microsoft.com/office/drawing/2014/main" id="{105BA667-88EA-B1AF-4C11-182BA00268E9}"/>
-              </a:ext>
-            </a:extLst>
-          </p:cNvPr>
-          <p:cNvSpPr txBox="1"/>
-          <p:nvPr/>
-        </p:nvSpPr>
-        <p:spPr>
-          <a:xfrm>
-            <a:off x="-1" y="2076652"/>
-            <a:ext cx="2984151" cy="369332"/>
-          </a:xfrm>
-          <a:prstGeom prst="rect">
-            <a:avLst/>
-          </a:prstGeom>
-          <a:noFill/>
-        </p:spPr>
-        <p:txBody>
-          <a:bodyPr wrap="square" rtlCol="0">
-            <a:spAutoFit/>
-          </a:bodyPr>
-          <a:lstStyle/>
-          <a:p>
-            <a:r>
-              <a:rPr lang="en-GB"/>
-              <a:t>(B)</a:t>
-            </a:r>
-          </a:p>
-        </p:txBody>
-      </p:sp>
-      <p:sp>
-        <p:nvSpPr>
-          <p:cNvPr id="4" name="TextBox 3">
-            <a:extLst>
-              <a:ext uri="{FF2B5EF4-FFF2-40B4-BE49-F238E27FC236}">
-                <a16:creationId xmlns:a16="http://schemas.microsoft.com/office/drawing/2014/main" id="{08A8091F-23AF-CFC7-8EBC-099C2D6C7D22}"/>
-              </a:ext>
-            </a:extLst>
-          </p:cNvPr>
-          <p:cNvSpPr txBox="1"/>
-          <p:nvPr/>
-        </p:nvSpPr>
-        <p:spPr>
-          <a:xfrm>
-            <a:off x="6281736" y="616686"/>
-            <a:ext cx="5664457" cy="1477328"/>
-          </a:xfrm>
-          <a:prstGeom prst="rect">
-            <a:avLst/>
-          </a:prstGeom>
-          <a:noFill/>
-        </p:spPr>
-        <p:txBody>
-          <a:bodyPr wrap="square" rtlCol="0">
-            <a:spAutoFit/>
-          </a:bodyPr>
-          <a:lstStyle/>
-          <a:p>
-            <a:r>
               <a:rPr lang="en-GB" b="1"/>
-              <a:t>Abodybuilder2, after relax</a:t>
+              <a:t>Abodybuilder2, after_relax</a:t>
             </a:r>
           </a:p>
           <a:p>
@@ -6816,7 +6951,7 @@
             </a:pPr>
             <a:r>
               <a:rPr lang="en-GB"/>
-              <a:t>Experimental results: 34 Fv positions show enhanced binding upon mutation (Red).</a:t>
+              <a:t>34 Fv positions show enhanced binding upon mutation (Red).</a:t>
             </a:r>
           </a:p>
           <a:p>
@@ -6825,7 +6960,7 @@
             </a:pPr>
             <a:r>
               <a:rPr lang="en-GB"/>
-              <a:t>Model prediction: Only a few mutations are predicted to be beneficial according to different models.</a:t>
+              <a:t>Only a few mutations are predicted to be beneficial according to different models.</a:t>
             </a:r>
           </a:p>
         </p:txBody>
@@ -8323,10 +8458,10 @@
       </p:grpSp>
       <p:sp>
         <p:nvSpPr>
-          <p:cNvPr id="2" name="TextBox 1">
-            <a:extLst>
-              <a:ext uri="{FF2B5EF4-FFF2-40B4-BE49-F238E27FC236}">
-                <a16:creationId xmlns:a16="http://schemas.microsoft.com/office/drawing/2014/main" id="{D1769776-E3DC-F1C5-D3E6-F6337EC1E5F5}"/>
+          <p:cNvPr id="45" name="TextBox 44">
+            <a:extLst>
+              <a:ext uri="{FF2B5EF4-FFF2-40B4-BE49-F238E27FC236}">
+                <a16:creationId xmlns:a16="http://schemas.microsoft.com/office/drawing/2014/main" id="{831430F0-D799-26EE-CF4C-15C34CE01C6C}"/>
               </a:ext>
             </a:extLst>
           </p:cNvPr>
@@ -8335,8 +8470,8 @@
         </p:nvSpPr>
         <p:spPr>
           <a:xfrm>
-            <a:off x="0" y="-36191"/>
-            <a:ext cx="2984151" cy="369332"/>
+            <a:off x="6281737" y="616686"/>
+            <a:ext cx="5557838" cy="1477328"/>
           </a:xfrm>
           <a:prstGeom prst="rect">
             <a:avLst/>
@@ -8350,78 +8485,8 @@
           <a:lstStyle/>
           <a:p>
             <a:r>
-              <a:rPr lang="en-GB"/>
-              <a:t>(A)</a:t>
-            </a:r>
-          </a:p>
-        </p:txBody>
-      </p:sp>
-      <p:sp>
-        <p:nvSpPr>
-          <p:cNvPr id="3" name="TextBox 2">
-            <a:extLst>
-              <a:ext uri="{FF2B5EF4-FFF2-40B4-BE49-F238E27FC236}">
-                <a16:creationId xmlns:a16="http://schemas.microsoft.com/office/drawing/2014/main" id="{F0CA02C1-4EFE-82B2-1A03-49AE2B039F97}"/>
-              </a:ext>
-            </a:extLst>
-          </p:cNvPr>
-          <p:cNvSpPr txBox="1"/>
-          <p:nvPr/>
-        </p:nvSpPr>
-        <p:spPr>
-          <a:xfrm>
-            <a:off x="-1" y="2076652"/>
-            <a:ext cx="2984151" cy="369332"/>
-          </a:xfrm>
-          <a:prstGeom prst="rect">
-            <a:avLst/>
-          </a:prstGeom>
-          <a:noFill/>
-        </p:spPr>
-        <p:txBody>
-          <a:bodyPr wrap="square" rtlCol="0">
-            <a:spAutoFit/>
-          </a:bodyPr>
-          <a:lstStyle/>
-          <a:p>
-            <a:r>
-              <a:rPr lang="en-GB"/>
-              <a:t>(B)</a:t>
-            </a:r>
-          </a:p>
-        </p:txBody>
-      </p:sp>
-      <p:sp>
-        <p:nvSpPr>
-          <p:cNvPr id="4" name="TextBox 3">
-            <a:extLst>
-              <a:ext uri="{FF2B5EF4-FFF2-40B4-BE49-F238E27FC236}">
-                <a16:creationId xmlns:a16="http://schemas.microsoft.com/office/drawing/2014/main" id="{B0470B51-F9BB-950F-2D6E-0E27D69D16F3}"/>
-              </a:ext>
-            </a:extLst>
-          </p:cNvPr>
-          <p:cNvSpPr txBox="1"/>
-          <p:nvPr/>
-        </p:nvSpPr>
-        <p:spPr>
-          <a:xfrm>
-            <a:off x="6242407" y="336670"/>
-            <a:ext cx="5664457" cy="1754326"/>
-          </a:xfrm>
-          <a:prstGeom prst="rect">
-            <a:avLst/>
-          </a:prstGeom>
-          <a:noFill/>
-        </p:spPr>
-        <p:txBody>
-          <a:bodyPr wrap="square" rtlCol="0">
-            <a:spAutoFit/>
-          </a:bodyPr>
-          <a:lstStyle/>
-          <a:p>
-            <a:r>
               <a:rPr lang="en-GB" b="1"/>
-              <a:t>pdb, remove antigen from antibody-antigen complex, before relax</a:t>
+              <a:t>Pdb structure, remove bound antigen, before_relax</a:t>
             </a:r>
           </a:p>
           <a:p>
@@ -8430,7 +8495,7 @@
             </a:pPr>
             <a:r>
               <a:rPr lang="en-GB"/>
-              <a:t>Experimental results: 34 Fv positions show enhanced binding upon mutation (Red).</a:t>
+              <a:t>34 Fv positions show enhanced binding upon mutation (Red).</a:t>
             </a:r>
           </a:p>
           <a:p>
@@ -8439,7 +8504,7 @@
             </a:pPr>
             <a:r>
               <a:rPr lang="en-GB"/>
-              <a:t>Model prediction: Only a few mutations are predicted to be beneficial according to different models.</a:t>
+              <a:t>Only a few mutations are predicted to be beneficial according to different models.</a:t>
             </a:r>
           </a:p>
         </p:txBody>
@@ -9937,10 +10002,10 @@
       </p:grpSp>
       <p:sp>
         <p:nvSpPr>
-          <p:cNvPr id="2" name="TextBox 1">
-            <a:extLst>
-              <a:ext uri="{FF2B5EF4-FFF2-40B4-BE49-F238E27FC236}">
-                <a16:creationId xmlns:a16="http://schemas.microsoft.com/office/drawing/2014/main" id="{BE385F76-2A14-8C75-0154-6C7DAC34E7B8}"/>
+          <p:cNvPr id="46" name="TextBox 45">
+            <a:extLst>
+              <a:ext uri="{FF2B5EF4-FFF2-40B4-BE49-F238E27FC236}">
+                <a16:creationId xmlns:a16="http://schemas.microsoft.com/office/drawing/2014/main" id="{70C35219-9CDE-1BA9-A53E-B0ACC0235A5A}"/>
               </a:ext>
             </a:extLst>
           </p:cNvPr>
@@ -9949,8 +10014,8 @@
         </p:nvSpPr>
         <p:spPr>
           <a:xfrm>
-            <a:off x="0" y="-36191"/>
-            <a:ext cx="2984151" cy="369332"/>
+            <a:off x="6281737" y="616686"/>
+            <a:ext cx="5557838" cy="1477328"/>
           </a:xfrm>
           <a:prstGeom prst="rect">
             <a:avLst/>
@@ -9964,78 +10029,8 @@
           <a:lstStyle/>
           <a:p>
             <a:r>
-              <a:rPr lang="en-GB"/>
-              <a:t>(A)</a:t>
-            </a:r>
-          </a:p>
-        </p:txBody>
-      </p:sp>
-      <p:sp>
-        <p:nvSpPr>
-          <p:cNvPr id="3" name="TextBox 2">
-            <a:extLst>
-              <a:ext uri="{FF2B5EF4-FFF2-40B4-BE49-F238E27FC236}">
-                <a16:creationId xmlns:a16="http://schemas.microsoft.com/office/drawing/2014/main" id="{8017A075-1199-2B67-BE2F-1A97F2B2C5EC}"/>
-              </a:ext>
-            </a:extLst>
-          </p:cNvPr>
-          <p:cNvSpPr txBox="1"/>
-          <p:nvPr/>
-        </p:nvSpPr>
-        <p:spPr>
-          <a:xfrm>
-            <a:off x="-1" y="2076652"/>
-            <a:ext cx="2984151" cy="369332"/>
-          </a:xfrm>
-          <a:prstGeom prst="rect">
-            <a:avLst/>
-          </a:prstGeom>
-          <a:noFill/>
-        </p:spPr>
-        <p:txBody>
-          <a:bodyPr wrap="square" rtlCol="0">
-            <a:spAutoFit/>
-          </a:bodyPr>
-          <a:lstStyle/>
-          <a:p>
-            <a:r>
-              <a:rPr lang="en-GB"/>
-              <a:t>(B)</a:t>
-            </a:r>
-          </a:p>
-        </p:txBody>
-      </p:sp>
-      <p:sp>
-        <p:nvSpPr>
-          <p:cNvPr id="5" name="TextBox 4">
-            <a:extLst>
-              <a:ext uri="{FF2B5EF4-FFF2-40B4-BE49-F238E27FC236}">
-                <a16:creationId xmlns:a16="http://schemas.microsoft.com/office/drawing/2014/main" id="{9A936BD4-FD46-B911-D75E-DB2C5D493A0B}"/>
-              </a:ext>
-            </a:extLst>
-          </p:cNvPr>
-          <p:cNvSpPr txBox="1"/>
-          <p:nvPr/>
-        </p:nvSpPr>
-        <p:spPr>
-          <a:xfrm>
-            <a:off x="6242407" y="336670"/>
-            <a:ext cx="5664457" cy="1754326"/>
-          </a:xfrm>
-          <a:prstGeom prst="rect">
-            <a:avLst/>
-          </a:prstGeom>
-          <a:noFill/>
-        </p:spPr>
-        <p:txBody>
-          <a:bodyPr wrap="square" rtlCol="0">
-            <a:spAutoFit/>
-          </a:bodyPr>
-          <a:lstStyle/>
-          <a:p>
-            <a:r>
               <a:rPr lang="en-GB" b="1"/>
-              <a:t>pdb, remove antigen from antibody-antigen complex, after relax</a:t>
+              <a:t>Pdb structure, remove bound antigen, after_relax</a:t>
             </a:r>
           </a:p>
           <a:p>
@@ -10044,7 +10039,7 @@
             </a:pPr>
             <a:r>
               <a:rPr lang="en-GB"/>
-              <a:t>Experimental results: 34 Fv positions show enhanced binding upon mutation (Red).</a:t>
+              <a:t>34 Fv positions show enhanced binding upon mutation (Red).</a:t>
             </a:r>
           </a:p>
           <a:p>
@@ -10053,7 +10048,7 @@
             </a:pPr>
             <a:r>
               <a:rPr lang="en-GB"/>
-              <a:t>Model prediction: Only a few mutations are predicted to be beneficial according to different models.</a:t>
+              <a:t>Only a few mutations are predicted to be beneficial according to different models.</a:t>
             </a:r>
           </a:p>
         </p:txBody>
@@ -10197,6 +10192,780 @@
     <p:extLst>
       <p:ext uri="{BB962C8B-B14F-4D97-AF65-F5344CB8AC3E}">
         <p14:creationId xmlns:p14="http://schemas.microsoft.com/office/powerpoint/2010/main" val="2042746914"/>
+      </p:ext>
+    </p:extLst>
+  </p:cSld>
+  <p:clrMapOvr>
+    <a:masterClrMapping/>
+  </p:clrMapOvr>
+</p:sld>
+</file>
+
+<file path=ppt/slides/slide7.xml><?xml version="1.0" encoding="utf-8"?>
+<p:sld xmlns:a="http://schemas.openxmlformats.org/drawingml/2006/main" xmlns:r="http://schemas.openxmlformats.org/officeDocument/2006/relationships" xmlns:p="http://schemas.openxmlformats.org/presentationml/2006/main">
+  <p:cSld>
+    <p:spTree>
+      <p:nvGrpSpPr>
+        <p:cNvPr id="1" name=""/>
+        <p:cNvGrpSpPr/>
+        <p:nvPr/>
+      </p:nvGrpSpPr>
+      <p:grpSpPr>
+        <a:xfrm>
+          <a:off x="0" y="0"/>
+          <a:ext cx="0" cy="0"/>
+          <a:chOff x="0" y="0"/>
+          <a:chExt cx="0" cy="0"/>
+        </a:xfrm>
+      </p:grpSpPr>
+      <p:pic>
+        <p:nvPicPr>
+          <p:cNvPr id="5" name="Picture 4">
+            <a:extLst>
+              <a:ext uri="{FF2B5EF4-FFF2-40B4-BE49-F238E27FC236}">
+                <a16:creationId xmlns:a16="http://schemas.microsoft.com/office/drawing/2014/main" id="{E781F738-A10A-F6E2-376A-1A129361465A}"/>
+              </a:ext>
+            </a:extLst>
+          </p:cNvPr>
+          <p:cNvPicPr>
+            <a:picLocks noChangeAspect="1"/>
+          </p:cNvPicPr>
+          <p:nvPr/>
+        </p:nvPicPr>
+        <p:blipFill>
+          <a:blip r:embed="rId2"/>
+          <a:stretch>
+            <a:fillRect/>
+          </a:stretch>
+        </p:blipFill>
+        <p:spPr>
+          <a:xfrm>
+            <a:off x="1259911" y="28814"/>
+            <a:ext cx="4020011" cy="3400186"/>
+          </a:xfrm>
+          <a:prstGeom prst="rect">
+            <a:avLst/>
+          </a:prstGeom>
+        </p:spPr>
+      </p:pic>
+      <p:pic>
+        <p:nvPicPr>
+          <p:cNvPr id="7" name="Picture 6">
+            <a:extLst>
+              <a:ext uri="{FF2B5EF4-FFF2-40B4-BE49-F238E27FC236}">
+                <a16:creationId xmlns:a16="http://schemas.microsoft.com/office/drawing/2014/main" id="{D0206BF2-CCD1-C9DA-DF06-0CFB48EB722C}"/>
+              </a:ext>
+            </a:extLst>
+          </p:cNvPr>
+          <p:cNvPicPr>
+            <a:picLocks noChangeAspect="1"/>
+          </p:cNvPicPr>
+          <p:nvPr/>
+        </p:nvPicPr>
+        <p:blipFill>
+          <a:blip r:embed="rId3"/>
+          <a:stretch>
+            <a:fillRect/>
+          </a:stretch>
+        </p:blipFill>
+        <p:spPr>
+          <a:xfrm>
+            <a:off x="5279922" y="117304"/>
+            <a:ext cx="4020012" cy="3400186"/>
+          </a:xfrm>
+          <a:prstGeom prst="rect">
+            <a:avLst/>
+          </a:prstGeom>
+        </p:spPr>
+      </p:pic>
+      <p:pic>
+        <p:nvPicPr>
+          <p:cNvPr id="9" name="Picture 8">
+            <a:extLst>
+              <a:ext uri="{FF2B5EF4-FFF2-40B4-BE49-F238E27FC236}">
+                <a16:creationId xmlns:a16="http://schemas.microsoft.com/office/drawing/2014/main" id="{B6324A95-544C-4396-213F-0ACF923EB1A5}"/>
+              </a:ext>
+            </a:extLst>
+          </p:cNvPr>
+          <p:cNvPicPr>
+            <a:picLocks noChangeAspect="1"/>
+          </p:cNvPicPr>
+          <p:nvPr/>
+        </p:nvPicPr>
+        <p:blipFill>
+          <a:blip r:embed="rId4"/>
+          <a:stretch>
+            <a:fillRect/>
+          </a:stretch>
+        </p:blipFill>
+        <p:spPr>
+          <a:xfrm>
+            <a:off x="1259910" y="3429000"/>
+            <a:ext cx="4020012" cy="3400186"/>
+          </a:xfrm>
+          <a:prstGeom prst="rect">
+            <a:avLst/>
+          </a:prstGeom>
+        </p:spPr>
+      </p:pic>
+      <p:pic>
+        <p:nvPicPr>
+          <p:cNvPr id="11" name="Picture 10">
+            <a:extLst>
+              <a:ext uri="{FF2B5EF4-FFF2-40B4-BE49-F238E27FC236}">
+                <a16:creationId xmlns:a16="http://schemas.microsoft.com/office/drawing/2014/main" id="{FBFA0A7D-8BAC-9D1F-6E5D-396CC9D127A8}"/>
+              </a:ext>
+            </a:extLst>
+          </p:cNvPr>
+          <p:cNvPicPr>
+            <a:picLocks noChangeAspect="1"/>
+          </p:cNvPicPr>
+          <p:nvPr/>
+        </p:nvPicPr>
+        <p:blipFill>
+          <a:blip r:embed="rId5"/>
+          <a:stretch>
+            <a:fillRect/>
+          </a:stretch>
+        </p:blipFill>
+        <p:spPr>
+          <a:xfrm>
+            <a:off x="5279922" y="3340510"/>
+            <a:ext cx="4020012" cy="3400186"/>
+          </a:xfrm>
+          <a:prstGeom prst="rect">
+            <a:avLst/>
+          </a:prstGeom>
+        </p:spPr>
+      </p:pic>
+    </p:spTree>
+    <p:extLst>
+      <p:ext uri="{BB962C8B-B14F-4D97-AF65-F5344CB8AC3E}">
+        <p14:creationId xmlns:p14="http://schemas.microsoft.com/office/powerpoint/2010/main" val="3410478111"/>
+      </p:ext>
+    </p:extLst>
+  </p:cSld>
+  <p:clrMapOvr>
+    <a:masterClrMapping/>
+  </p:clrMapOvr>
+</p:sld>
+</file>
+
+<file path=ppt/slides/slide8.xml><?xml version="1.0" encoding="utf-8"?>
+<p:sld xmlns:a="http://schemas.openxmlformats.org/drawingml/2006/main" xmlns:r="http://schemas.openxmlformats.org/officeDocument/2006/relationships" xmlns:p="http://schemas.openxmlformats.org/presentationml/2006/main">
+  <p:cSld>
+    <p:spTree>
+      <p:nvGrpSpPr>
+        <p:cNvPr id="1" name=""/>
+        <p:cNvGrpSpPr/>
+        <p:nvPr/>
+      </p:nvGrpSpPr>
+      <p:grpSpPr>
+        <a:xfrm>
+          <a:off x="0" y="0"/>
+          <a:ext cx="0" cy="0"/>
+          <a:chOff x="0" y="0"/>
+          <a:chExt cx="0" cy="0"/>
+        </a:xfrm>
+      </p:grpSpPr>
+      <p:grpSp>
+        <p:nvGrpSpPr>
+          <p:cNvPr id="14" name="Group 13">
+            <a:extLst>
+              <a:ext uri="{FF2B5EF4-FFF2-40B4-BE49-F238E27FC236}">
+                <a16:creationId xmlns:a16="http://schemas.microsoft.com/office/drawing/2014/main" id="{82D4FA22-ECBB-3991-FE56-5680A5616774}"/>
+              </a:ext>
+            </a:extLst>
+          </p:cNvPr>
+          <p:cNvGrpSpPr/>
+          <p:nvPr/>
+        </p:nvGrpSpPr>
+        <p:grpSpPr>
+          <a:xfrm>
+            <a:off x="6504631" y="110733"/>
+            <a:ext cx="4736896" cy="6636534"/>
+            <a:chOff x="188019" y="2297916"/>
+            <a:chExt cx="6001991" cy="8408971"/>
+          </a:xfrm>
+        </p:grpSpPr>
+        <p:grpSp>
+          <p:nvGrpSpPr>
+            <p:cNvPr id="8" name="Group 7">
+              <a:extLst>
+                <a:ext uri="{FF2B5EF4-FFF2-40B4-BE49-F238E27FC236}">
+                  <a16:creationId xmlns:a16="http://schemas.microsoft.com/office/drawing/2014/main" id="{CC3DEE48-711C-39B6-A524-5C20E2F5667C}"/>
+                </a:ext>
+              </a:extLst>
+            </p:cNvPr>
+            <p:cNvGrpSpPr/>
+            <p:nvPr/>
+          </p:nvGrpSpPr>
+          <p:grpSpPr>
+            <a:xfrm>
+              <a:off x="188019" y="2297916"/>
+              <a:ext cx="6001990" cy="4204485"/>
+              <a:chOff x="-177800" y="176230"/>
+              <a:chExt cx="12192000" cy="8540680"/>
+            </a:xfrm>
+          </p:grpSpPr>
+          <p:pic>
+            <p:nvPicPr>
+              <p:cNvPr id="5" name="Picture 4">
+                <a:extLst>
+                  <a:ext uri="{FF2B5EF4-FFF2-40B4-BE49-F238E27FC236}">
+                    <a16:creationId xmlns:a16="http://schemas.microsoft.com/office/drawing/2014/main" id="{B90B6986-2C3A-9652-5B47-477FAAE31B72}"/>
+                  </a:ext>
+                </a:extLst>
+              </p:cNvPr>
+              <p:cNvPicPr>
+                <a:picLocks noChangeAspect="1"/>
+              </p:cNvPicPr>
+              <p:nvPr/>
+            </p:nvPicPr>
+            <p:blipFill>
+              <a:blip r:embed="rId2"/>
+              <a:stretch>
+                <a:fillRect/>
+              </a:stretch>
+            </p:blipFill>
+            <p:spPr>
+              <a:xfrm>
+                <a:off x="-177800" y="176230"/>
+                <a:ext cx="12192000" cy="4270340"/>
+              </a:xfrm>
+              <a:prstGeom prst="rect">
+                <a:avLst/>
+              </a:prstGeom>
+            </p:spPr>
+          </p:pic>
+          <p:pic>
+            <p:nvPicPr>
+              <p:cNvPr id="7" name="Picture 6">
+                <a:extLst>
+                  <a:ext uri="{FF2B5EF4-FFF2-40B4-BE49-F238E27FC236}">
+                    <a16:creationId xmlns:a16="http://schemas.microsoft.com/office/drawing/2014/main" id="{8D42B843-8063-C6CD-8A73-D853C5B03380}"/>
+                  </a:ext>
+                </a:extLst>
+              </p:cNvPr>
+              <p:cNvPicPr>
+                <a:picLocks noChangeAspect="1"/>
+              </p:cNvPicPr>
+              <p:nvPr/>
+            </p:nvPicPr>
+            <p:blipFill>
+              <a:blip r:embed="rId3"/>
+              <a:stretch>
+                <a:fillRect/>
+              </a:stretch>
+            </p:blipFill>
+            <p:spPr>
+              <a:xfrm>
+                <a:off x="-177800" y="4446570"/>
+                <a:ext cx="12192000" cy="4270340"/>
+              </a:xfrm>
+              <a:prstGeom prst="rect">
+                <a:avLst/>
+              </a:prstGeom>
+            </p:spPr>
+          </p:pic>
+        </p:grpSp>
+        <p:pic>
+          <p:nvPicPr>
+            <p:cNvPr id="10" name="Picture 9">
+              <a:extLst>
+                <a:ext uri="{FF2B5EF4-FFF2-40B4-BE49-F238E27FC236}">
+                  <a16:creationId xmlns:a16="http://schemas.microsoft.com/office/drawing/2014/main" id="{BC60121B-5E29-1C1F-1349-AA0BA94526B2}"/>
+                </a:ext>
+              </a:extLst>
+            </p:cNvPr>
+            <p:cNvPicPr>
+              <a:picLocks noChangeAspect="1"/>
+            </p:cNvPicPr>
+            <p:nvPr/>
+          </p:nvPicPr>
+          <p:blipFill>
+            <a:blip r:embed="rId4"/>
+            <a:stretch>
+              <a:fillRect/>
+            </a:stretch>
+          </p:blipFill>
+          <p:spPr>
+            <a:xfrm>
+              <a:off x="188019" y="6502402"/>
+              <a:ext cx="6001991" cy="2102243"/>
+            </a:xfrm>
+            <a:prstGeom prst="rect">
+              <a:avLst/>
+            </a:prstGeom>
+          </p:spPr>
+        </p:pic>
+        <p:pic>
+          <p:nvPicPr>
+            <p:cNvPr id="12" name="Picture 11">
+              <a:extLst>
+                <a:ext uri="{FF2B5EF4-FFF2-40B4-BE49-F238E27FC236}">
+                  <a16:creationId xmlns:a16="http://schemas.microsoft.com/office/drawing/2014/main" id="{2F4D11C4-F1AC-67DE-9041-3EC60657F0DC}"/>
+                </a:ext>
+              </a:extLst>
+            </p:cNvPr>
+            <p:cNvPicPr>
+              <a:picLocks noChangeAspect="1"/>
+            </p:cNvPicPr>
+            <p:nvPr/>
+          </p:nvPicPr>
+          <p:blipFill>
+            <a:blip r:embed="rId5"/>
+            <a:stretch>
+              <a:fillRect/>
+            </a:stretch>
+          </p:blipFill>
+          <p:spPr>
+            <a:xfrm>
+              <a:off x="188019" y="8604645"/>
+              <a:ext cx="6001991" cy="2102242"/>
+            </a:xfrm>
+            <a:prstGeom prst="rect">
+              <a:avLst/>
+            </a:prstGeom>
+          </p:spPr>
+        </p:pic>
+      </p:grpSp>
+      <p:grpSp>
+        <p:nvGrpSpPr>
+          <p:cNvPr id="23" name="Group 22">
+            <a:extLst>
+              <a:ext uri="{FF2B5EF4-FFF2-40B4-BE49-F238E27FC236}">
+                <a16:creationId xmlns:a16="http://schemas.microsoft.com/office/drawing/2014/main" id="{54C868BF-2A50-0E8A-93DB-999296072B48}"/>
+              </a:ext>
+            </a:extLst>
+          </p:cNvPr>
+          <p:cNvGrpSpPr/>
+          <p:nvPr/>
+        </p:nvGrpSpPr>
+        <p:grpSpPr>
+          <a:xfrm>
+            <a:off x="691453" y="36754"/>
+            <a:ext cx="4905865" cy="6784492"/>
+            <a:chOff x="6781800" y="110733"/>
+            <a:chExt cx="4905865" cy="6784492"/>
+          </a:xfrm>
+        </p:grpSpPr>
+        <p:pic>
+          <p:nvPicPr>
+            <p:cNvPr id="16" name="Picture 15">
+              <a:extLst>
+                <a:ext uri="{FF2B5EF4-FFF2-40B4-BE49-F238E27FC236}">
+                  <a16:creationId xmlns:a16="http://schemas.microsoft.com/office/drawing/2014/main" id="{D95CB719-898C-2296-D082-0B948E41CB38}"/>
+                </a:ext>
+              </a:extLst>
+            </p:cNvPr>
+            <p:cNvPicPr>
+              <a:picLocks noChangeAspect="1"/>
+            </p:cNvPicPr>
+            <p:nvPr/>
+          </p:nvPicPr>
+          <p:blipFill>
+            <a:blip r:embed="rId6"/>
+            <a:stretch>
+              <a:fillRect/>
+            </a:stretch>
+          </p:blipFill>
+          <p:spPr>
+            <a:xfrm>
+              <a:off x="6781800" y="110733"/>
+              <a:ext cx="4905865" cy="1718316"/>
+            </a:xfrm>
+            <a:prstGeom prst="rect">
+              <a:avLst/>
+            </a:prstGeom>
+          </p:spPr>
+        </p:pic>
+        <p:pic>
+          <p:nvPicPr>
+            <p:cNvPr id="18" name="Picture 17">
+              <a:extLst>
+                <a:ext uri="{FF2B5EF4-FFF2-40B4-BE49-F238E27FC236}">
+                  <a16:creationId xmlns:a16="http://schemas.microsoft.com/office/drawing/2014/main" id="{F0487301-1F6D-64FC-3AE7-F2B6805F77AC}"/>
+                </a:ext>
+              </a:extLst>
+            </p:cNvPr>
+            <p:cNvPicPr>
+              <a:picLocks noChangeAspect="1"/>
+            </p:cNvPicPr>
+            <p:nvPr/>
+          </p:nvPicPr>
+          <p:blipFill>
+            <a:blip r:embed="rId7"/>
+            <a:stretch>
+              <a:fillRect/>
+            </a:stretch>
+          </p:blipFill>
+          <p:spPr>
+            <a:xfrm>
+              <a:off x="6781800" y="1740276"/>
+              <a:ext cx="4905865" cy="1718316"/>
+            </a:xfrm>
+            <a:prstGeom prst="rect">
+              <a:avLst/>
+            </a:prstGeom>
+          </p:spPr>
+        </p:pic>
+        <p:pic>
+          <p:nvPicPr>
+            <p:cNvPr id="20" name="Picture 19">
+              <a:extLst>
+                <a:ext uri="{FF2B5EF4-FFF2-40B4-BE49-F238E27FC236}">
+                  <a16:creationId xmlns:a16="http://schemas.microsoft.com/office/drawing/2014/main" id="{0E4ABE8E-3B0B-F39D-456E-8B57476BDF33}"/>
+                </a:ext>
+              </a:extLst>
+            </p:cNvPr>
+            <p:cNvPicPr>
+              <a:picLocks noChangeAspect="1"/>
+            </p:cNvPicPr>
+            <p:nvPr/>
+          </p:nvPicPr>
+          <p:blipFill>
+            <a:blip r:embed="rId8"/>
+            <a:stretch>
+              <a:fillRect/>
+            </a:stretch>
+          </p:blipFill>
+          <p:spPr>
+            <a:xfrm>
+              <a:off x="6781800" y="3458592"/>
+              <a:ext cx="4905865" cy="1718316"/>
+            </a:xfrm>
+            <a:prstGeom prst="rect">
+              <a:avLst/>
+            </a:prstGeom>
+          </p:spPr>
+        </p:pic>
+        <p:pic>
+          <p:nvPicPr>
+            <p:cNvPr id="22" name="Picture 21">
+              <a:extLst>
+                <a:ext uri="{FF2B5EF4-FFF2-40B4-BE49-F238E27FC236}">
+                  <a16:creationId xmlns:a16="http://schemas.microsoft.com/office/drawing/2014/main" id="{E999E255-59F6-1A18-7038-CE1F0091D572}"/>
+                </a:ext>
+              </a:extLst>
+            </p:cNvPr>
+            <p:cNvPicPr>
+              <a:picLocks noChangeAspect="1"/>
+            </p:cNvPicPr>
+            <p:nvPr/>
+          </p:nvPicPr>
+          <p:blipFill>
+            <a:blip r:embed="rId9"/>
+            <a:stretch>
+              <a:fillRect/>
+            </a:stretch>
+          </p:blipFill>
+          <p:spPr>
+            <a:xfrm>
+              <a:off x="6781800" y="5176909"/>
+              <a:ext cx="4905865" cy="1718316"/>
+            </a:xfrm>
+            <a:prstGeom prst="rect">
+              <a:avLst/>
+            </a:prstGeom>
+          </p:spPr>
+        </p:pic>
+      </p:grpSp>
+    </p:spTree>
+    <p:extLst>
+      <p:ext uri="{BB962C8B-B14F-4D97-AF65-F5344CB8AC3E}">
+        <p14:creationId xmlns:p14="http://schemas.microsoft.com/office/powerpoint/2010/main" val="1358748774"/>
+      </p:ext>
+    </p:extLst>
+  </p:cSld>
+  <p:clrMapOvr>
+    <a:masterClrMapping/>
+  </p:clrMapOvr>
+</p:sld>
+</file>
+
+<file path=ppt/slides/slide9.xml><?xml version="1.0" encoding="utf-8"?>
+<p:sld xmlns:a="http://schemas.openxmlformats.org/drawingml/2006/main" xmlns:r="http://schemas.openxmlformats.org/officeDocument/2006/relationships" xmlns:p="http://schemas.openxmlformats.org/presentationml/2006/main">
+  <p:cSld>
+    <p:spTree>
+      <p:nvGrpSpPr>
+        <p:cNvPr id="1" name=""/>
+        <p:cNvGrpSpPr/>
+        <p:nvPr/>
+      </p:nvGrpSpPr>
+      <p:grpSpPr>
+        <a:xfrm>
+          <a:off x="0" y="0"/>
+          <a:ext cx="0" cy="0"/>
+          <a:chOff x="0" y="0"/>
+          <a:chExt cx="0" cy="0"/>
+        </a:xfrm>
+      </p:grpSpPr>
+      <p:grpSp>
+        <p:nvGrpSpPr>
+          <p:cNvPr id="12" name="Group 11">
+            <a:extLst>
+              <a:ext uri="{FF2B5EF4-FFF2-40B4-BE49-F238E27FC236}">
+                <a16:creationId xmlns:a16="http://schemas.microsoft.com/office/drawing/2014/main" id="{B736675A-EA2F-E6EB-95A7-9A68ACDC5C93}"/>
+              </a:ext>
+            </a:extLst>
+          </p:cNvPr>
+          <p:cNvGrpSpPr/>
+          <p:nvPr/>
+        </p:nvGrpSpPr>
+        <p:grpSpPr>
+          <a:xfrm>
+            <a:off x="610069" y="0"/>
+            <a:ext cx="4878673" cy="6835166"/>
+            <a:chOff x="186813" y="448256"/>
+            <a:chExt cx="5466736" cy="7659060"/>
+          </a:xfrm>
+        </p:grpSpPr>
+        <p:pic>
+          <p:nvPicPr>
+            <p:cNvPr id="5" name="Picture 4">
+              <a:extLst>
+                <a:ext uri="{FF2B5EF4-FFF2-40B4-BE49-F238E27FC236}">
+                  <a16:creationId xmlns:a16="http://schemas.microsoft.com/office/drawing/2014/main" id="{6373DAED-CA10-F730-C014-52B1F0B5DCC9}"/>
+                </a:ext>
+              </a:extLst>
+            </p:cNvPr>
+            <p:cNvPicPr>
+              <a:picLocks noChangeAspect="1"/>
+            </p:cNvPicPr>
+            <p:nvPr/>
+          </p:nvPicPr>
+          <p:blipFill>
+            <a:blip r:embed="rId2"/>
+            <a:stretch>
+              <a:fillRect/>
+            </a:stretch>
+          </p:blipFill>
+          <p:spPr>
+            <a:xfrm>
+              <a:off x="186813" y="448256"/>
+              <a:ext cx="5466735" cy="1914765"/>
+            </a:xfrm>
+            <a:prstGeom prst="rect">
+              <a:avLst/>
+            </a:prstGeom>
+          </p:spPr>
+        </p:pic>
+        <p:pic>
+          <p:nvPicPr>
+            <p:cNvPr id="7" name="Picture 6">
+              <a:extLst>
+                <a:ext uri="{FF2B5EF4-FFF2-40B4-BE49-F238E27FC236}">
+                  <a16:creationId xmlns:a16="http://schemas.microsoft.com/office/drawing/2014/main" id="{7683CDB2-DD6C-9537-A4D9-AB0EBC5C0E52}"/>
+                </a:ext>
+              </a:extLst>
+            </p:cNvPr>
+            <p:cNvPicPr>
+              <a:picLocks noChangeAspect="1"/>
+            </p:cNvPicPr>
+            <p:nvPr/>
+          </p:nvPicPr>
+          <p:blipFill>
+            <a:blip r:embed="rId3"/>
+            <a:stretch>
+              <a:fillRect/>
+            </a:stretch>
+          </p:blipFill>
+          <p:spPr>
+            <a:xfrm>
+              <a:off x="186814" y="2363021"/>
+              <a:ext cx="5466735" cy="1914765"/>
+            </a:xfrm>
+            <a:prstGeom prst="rect">
+              <a:avLst/>
+            </a:prstGeom>
+          </p:spPr>
+        </p:pic>
+        <p:pic>
+          <p:nvPicPr>
+            <p:cNvPr id="9" name="Picture 8">
+              <a:extLst>
+                <a:ext uri="{FF2B5EF4-FFF2-40B4-BE49-F238E27FC236}">
+                  <a16:creationId xmlns:a16="http://schemas.microsoft.com/office/drawing/2014/main" id="{42DE3091-71AC-3B1F-D489-2F5E7FD41310}"/>
+                </a:ext>
+              </a:extLst>
+            </p:cNvPr>
+            <p:cNvPicPr>
+              <a:picLocks noChangeAspect="1"/>
+            </p:cNvPicPr>
+            <p:nvPr/>
+          </p:nvPicPr>
+          <p:blipFill>
+            <a:blip r:embed="rId4"/>
+            <a:stretch>
+              <a:fillRect/>
+            </a:stretch>
+          </p:blipFill>
+          <p:spPr>
+            <a:xfrm>
+              <a:off x="186814" y="4277786"/>
+              <a:ext cx="5466735" cy="1914765"/>
+            </a:xfrm>
+            <a:prstGeom prst="rect">
+              <a:avLst/>
+            </a:prstGeom>
+          </p:spPr>
+        </p:pic>
+        <p:pic>
+          <p:nvPicPr>
+            <p:cNvPr id="11" name="Picture 10">
+              <a:extLst>
+                <a:ext uri="{FF2B5EF4-FFF2-40B4-BE49-F238E27FC236}">
+                  <a16:creationId xmlns:a16="http://schemas.microsoft.com/office/drawing/2014/main" id="{C88529F3-5B71-7EB8-FE77-A8FC0256370B}"/>
+                </a:ext>
+              </a:extLst>
+            </p:cNvPr>
+            <p:cNvPicPr>
+              <a:picLocks noChangeAspect="1"/>
+            </p:cNvPicPr>
+            <p:nvPr/>
+          </p:nvPicPr>
+          <p:blipFill>
+            <a:blip r:embed="rId5"/>
+            <a:stretch>
+              <a:fillRect/>
+            </a:stretch>
+          </p:blipFill>
+          <p:spPr>
+            <a:xfrm>
+              <a:off x="186813" y="6192551"/>
+              <a:ext cx="5466735" cy="1914765"/>
+            </a:xfrm>
+            <a:prstGeom prst="rect">
+              <a:avLst/>
+            </a:prstGeom>
+          </p:spPr>
+        </p:pic>
+      </p:grpSp>
+      <p:pic>
+        <p:nvPicPr>
+          <p:cNvPr id="14" name="Picture 13">
+            <a:extLst>
+              <a:ext uri="{FF2B5EF4-FFF2-40B4-BE49-F238E27FC236}">
+                <a16:creationId xmlns:a16="http://schemas.microsoft.com/office/drawing/2014/main" id="{800AA557-E431-C1AB-5BBD-1577295ADFCC}"/>
+              </a:ext>
+            </a:extLst>
+          </p:cNvPr>
+          <p:cNvPicPr>
+            <a:picLocks noChangeAspect="1"/>
+          </p:cNvPicPr>
+          <p:nvPr/>
+        </p:nvPicPr>
+        <p:blipFill>
+          <a:blip r:embed="rId6"/>
+          <a:stretch>
+            <a:fillRect/>
+          </a:stretch>
+        </p:blipFill>
+        <p:spPr>
+          <a:xfrm>
+            <a:off x="6449961" y="0"/>
+            <a:ext cx="4878672" cy="1708792"/>
+          </a:xfrm>
+          <a:prstGeom prst="rect">
+            <a:avLst/>
+          </a:prstGeom>
+        </p:spPr>
+      </p:pic>
+      <p:pic>
+        <p:nvPicPr>
+          <p:cNvPr id="16" name="Picture 15">
+            <a:extLst>
+              <a:ext uri="{FF2B5EF4-FFF2-40B4-BE49-F238E27FC236}">
+                <a16:creationId xmlns:a16="http://schemas.microsoft.com/office/drawing/2014/main" id="{706D953C-1FCF-BFF6-EB5A-34CE73A4932D}"/>
+              </a:ext>
+            </a:extLst>
+          </p:cNvPr>
+          <p:cNvPicPr>
+            <a:picLocks noChangeAspect="1"/>
+          </p:cNvPicPr>
+          <p:nvPr/>
+        </p:nvPicPr>
+        <p:blipFill>
+          <a:blip r:embed="rId7"/>
+          <a:stretch>
+            <a:fillRect/>
+          </a:stretch>
+        </p:blipFill>
+        <p:spPr>
+          <a:xfrm>
+            <a:off x="6449960" y="1618295"/>
+            <a:ext cx="4878672" cy="1708792"/>
+          </a:xfrm>
+          <a:prstGeom prst="rect">
+            <a:avLst/>
+          </a:prstGeom>
+        </p:spPr>
+      </p:pic>
+      <p:pic>
+        <p:nvPicPr>
+          <p:cNvPr id="18" name="Picture 17">
+            <a:extLst>
+              <a:ext uri="{FF2B5EF4-FFF2-40B4-BE49-F238E27FC236}">
+                <a16:creationId xmlns:a16="http://schemas.microsoft.com/office/drawing/2014/main" id="{0BA0B452-5862-CF32-FC30-40418E3A331B}"/>
+              </a:ext>
+            </a:extLst>
+          </p:cNvPr>
+          <p:cNvPicPr>
+            <a:picLocks noChangeAspect="1"/>
+          </p:cNvPicPr>
+          <p:nvPr/>
+        </p:nvPicPr>
+        <p:blipFill>
+          <a:blip r:embed="rId8"/>
+          <a:stretch>
+            <a:fillRect/>
+          </a:stretch>
+        </p:blipFill>
+        <p:spPr>
+          <a:xfrm>
+            <a:off x="6449959" y="3327087"/>
+            <a:ext cx="4878673" cy="1708792"/>
+          </a:xfrm>
+          <a:prstGeom prst="rect">
+            <a:avLst/>
+          </a:prstGeom>
+        </p:spPr>
+      </p:pic>
+      <p:pic>
+        <p:nvPicPr>
+          <p:cNvPr id="20" name="Picture 19">
+            <a:extLst>
+              <a:ext uri="{FF2B5EF4-FFF2-40B4-BE49-F238E27FC236}">
+                <a16:creationId xmlns:a16="http://schemas.microsoft.com/office/drawing/2014/main" id="{D3DE9971-6A65-01F7-23F0-E999E1D1994E}"/>
+              </a:ext>
+            </a:extLst>
+          </p:cNvPr>
+          <p:cNvPicPr>
+            <a:picLocks noChangeAspect="1"/>
+          </p:cNvPicPr>
+          <p:nvPr/>
+        </p:nvPicPr>
+        <p:blipFill>
+          <a:blip r:embed="rId9"/>
+          <a:stretch>
+            <a:fillRect/>
+          </a:stretch>
+        </p:blipFill>
+        <p:spPr>
+          <a:xfrm>
+            <a:off x="6449959" y="5035879"/>
+            <a:ext cx="4878672" cy="1708792"/>
+          </a:xfrm>
+          <a:prstGeom prst="rect">
+            <a:avLst/>
+          </a:prstGeom>
+        </p:spPr>
+      </p:pic>
+    </p:spTree>
+    <p:extLst>
+      <p:ext uri="{BB962C8B-B14F-4D97-AF65-F5344CB8AC3E}">
+        <p14:creationId xmlns:p14="http://schemas.microsoft.com/office/powerpoint/2010/main" val="3541641593"/>
       </p:ext>
     </p:extLst>
   </p:cSld>
